--- a/doc/02_SlideShare/表紙.pptx
+++ b/doc/02_SlideShare/表紙.pptx
@@ -113,7 +113,32 @@
   </p:defaultTextStyle>
   <p:extLst>
     <p:ext uri="{EFAFB233-063F-42B5-8137-9DF3F51BA10A}">
-      <p15:sldGuideLst xmlns:p15="http://schemas.microsoft.com/office/powerpoint/2012/main" xmlns=""/>
+      <p15:sldGuideLst xmlns:p15="http://schemas.microsoft.com/office/powerpoint/2012/main">
+        <p15:guide id="1" orient="horz" pos="2160">
+          <p15:clr>
+            <a:srgbClr val="A4A3A4"/>
+          </p15:clr>
+        </p15:guide>
+        <p15:guide id="2" pos="3840">
+          <p15:clr>
+            <a:srgbClr val="A4A3A4"/>
+          </p15:clr>
+        </p15:guide>
+      </p15:sldGuideLst>
+    </p:ext>
+    <p:ext uri="{2D200454-40CA-4A62-9FC3-DE9A4176ACB9}">
+      <p15:notesGuideLst xmlns:p15="http://schemas.microsoft.com/office/powerpoint/2012/main">
+        <p15:guide id="1" orient="horz" pos="2880">
+          <p15:clr>
+            <a:srgbClr val="A4A3A4"/>
+          </p15:clr>
+        </p15:guide>
+        <p15:guide id="2" pos="2160">
+          <p15:clr>
+            <a:srgbClr val="A4A3A4"/>
+          </p15:clr>
+        </p15:guide>
+      </p15:notesGuideLst>
     </p:ext>
   </p:extLst>
 </p:presentation>
@@ -201,7 +226,7 @@
           <a:p>
             <a:fld id="{CF62E18D-AE12-454F-A1D6-19B685DC3579}" type="datetimeFigureOut">
               <a:rPr kumimoji="1" lang="ja-JP" altLang="en-US" smtClean="0"/>
-              <a:t>2019/1/6</a:t>
+              <a:t>2019/3/3</a:t>
             </a:fld>
             <a:endParaRPr kumimoji="1" lang="ja-JP" altLang="en-US"/>
           </a:p>
@@ -674,7 +699,7 @@
           <a:p>
             <a:fld id="{2FA7D4A1-D6E2-4B97-8DF5-43A2A6E9364B}" type="datetimeFigureOut">
               <a:rPr kumimoji="1" lang="ja-JP" altLang="en-US" smtClean="0"/>
-              <a:t>2019/1/6</a:t>
+              <a:t>2019/3/3</a:t>
             </a:fld>
             <a:endParaRPr kumimoji="1" lang="ja-JP" altLang="en-US"/>
           </a:p>
@@ -1142,7 +1167,7 @@
           <a:p>
             <a:fld id="{2FA7D4A1-D6E2-4B97-8DF5-43A2A6E9364B}" type="datetimeFigureOut">
               <a:rPr kumimoji="1" lang="ja-JP" altLang="en-US" smtClean="0"/>
-              <a:t>2019/1/6</a:t>
+              <a:t>2019/3/3</a:t>
             </a:fld>
             <a:endParaRPr kumimoji="1" lang="ja-JP" altLang="en-US"/>
           </a:p>
@@ -1571,7 +1596,7 @@
           <a:p>
             <a:fld id="{2FA7D4A1-D6E2-4B97-8DF5-43A2A6E9364B}" type="datetimeFigureOut">
               <a:rPr kumimoji="1" lang="ja-JP" altLang="en-US" smtClean="0"/>
-              <a:t>2019/1/6</a:t>
+              <a:t>2019/3/3</a:t>
             </a:fld>
             <a:endParaRPr kumimoji="1" lang="ja-JP" altLang="en-US"/>
           </a:p>
@@ -1688,7 +1713,7 @@
           <a:p>
             <a:fld id="{2FA7D4A1-D6E2-4B97-8DF5-43A2A6E9364B}" type="datetimeFigureOut">
               <a:rPr kumimoji="1" lang="ja-JP" altLang="en-US" smtClean="0"/>
-              <a:t>2019/1/6</a:t>
+              <a:t>2019/3/3</a:t>
             </a:fld>
             <a:endParaRPr kumimoji="1" lang="ja-JP" altLang="en-US"/>
           </a:p>
@@ -1911,7 +1936,7 @@
           <a:p>
             <a:fld id="{2FA7D4A1-D6E2-4B97-8DF5-43A2A6E9364B}" type="datetimeFigureOut">
               <a:rPr kumimoji="1" lang="ja-JP" altLang="en-US" smtClean="0"/>
-              <a:t>2019/1/6</a:t>
+              <a:t>2019/3/3</a:t>
             </a:fld>
             <a:endParaRPr kumimoji="1" lang="ja-JP" altLang="en-US"/>
           </a:p>
@@ -2280,7 +2305,7 @@
           <a:p>
             <a:fld id="{2FA7D4A1-D6E2-4B97-8DF5-43A2A6E9364B}" type="datetimeFigureOut">
               <a:rPr kumimoji="1" lang="ja-JP" altLang="en-US" smtClean="0"/>
-              <a:t>2019/1/6</a:t>
+              <a:t>2019/3/3</a:t>
             </a:fld>
             <a:endParaRPr kumimoji="1" lang="ja-JP" altLang="en-US"/>
           </a:p>
@@ -2831,7 +2856,7 @@
           <p:cNvPr id="2" name="タイトル 1">
             <a:extLst>
               <a:ext uri="{FF2B5EF4-FFF2-40B4-BE49-F238E27FC236}">
-                <a16:creationId xmlns:a16="http://schemas.microsoft.com/office/drawing/2014/main" xmlns="" id="{6921666E-7AC2-472C-A272-CBF0D8C14E64}"/>
+                <a16:creationId xmlns:a16="http://schemas.microsoft.com/office/drawing/2014/main" id="{6921666E-7AC2-472C-A272-CBF0D8C14E64}"/>
               </a:ext>
             </a:extLst>
           </p:cNvPr>
@@ -2866,7 +2891,7 @@
           <p:cNvPr id="5" name="正方形/長方形 4">
             <a:extLst>
               <a:ext uri="{FF2B5EF4-FFF2-40B4-BE49-F238E27FC236}">
-                <a16:creationId xmlns:a16="http://schemas.microsoft.com/office/drawing/2014/main" xmlns="" id="{D7EF0459-09B1-447D-B9FA-988D7B92FF85}"/>
+                <a16:creationId xmlns:a16="http://schemas.microsoft.com/office/drawing/2014/main" id="{D7EF0459-09B1-447D-B9FA-988D7B92FF85}"/>
               </a:ext>
             </a:extLst>
           </p:cNvPr>
@@ -2924,7 +2949,7 @@
           <p:cNvPr id="6" name="正方形/長方形 5">
             <a:extLst>
               <a:ext uri="{FF2B5EF4-FFF2-40B4-BE49-F238E27FC236}">
-                <a16:creationId xmlns:a16="http://schemas.microsoft.com/office/drawing/2014/main" xmlns="" id="{32AC6FF7-97A5-4AAE-A5CD-059956967459}"/>
+                <a16:creationId xmlns:a16="http://schemas.microsoft.com/office/drawing/2014/main" id="{32AC6FF7-97A5-4AAE-A5CD-059956967459}"/>
               </a:ext>
             </a:extLst>
           </p:cNvPr>
@@ -2994,7 +3019,7 @@
           <p:cNvPr id="7" name="正方形/長方形 6">
             <a:extLst>
               <a:ext uri="{FF2B5EF4-FFF2-40B4-BE49-F238E27FC236}">
-                <a16:creationId xmlns:a16="http://schemas.microsoft.com/office/drawing/2014/main" xmlns="" id="{109BD630-338B-44EA-9EE5-8D3909DE0F99}"/>
+                <a16:creationId xmlns:a16="http://schemas.microsoft.com/office/drawing/2014/main" id="{109BD630-338B-44EA-9EE5-8D3909DE0F99}"/>
               </a:ext>
             </a:extLst>
           </p:cNvPr>
@@ -3004,7 +3029,7 @@
         <p:spPr>
           <a:xfrm>
             <a:off x="564963" y="2194561"/>
-            <a:ext cx="2685313" cy="1645919"/>
+            <a:ext cx="2685313" cy="1948231"/>
           </a:xfrm>
           <a:prstGeom prst="rect">
             <a:avLst/>
@@ -3052,7 +3077,7 @@
           <p:cNvPr id="8" name="正方形/長方形 7">
             <a:extLst>
               <a:ext uri="{FF2B5EF4-FFF2-40B4-BE49-F238E27FC236}">
-                <a16:creationId xmlns:a16="http://schemas.microsoft.com/office/drawing/2014/main" xmlns="" id="{6EA607F8-9FD3-4695-8573-77CFB77C72C0}"/>
+                <a16:creationId xmlns:a16="http://schemas.microsoft.com/office/drawing/2014/main" id="{6EA607F8-9FD3-4695-8573-77CFB77C72C0}"/>
               </a:ext>
             </a:extLst>
           </p:cNvPr>
@@ -3062,7 +3087,7 @@
         <p:spPr>
           <a:xfrm>
             <a:off x="3250276" y="2194561"/>
-            <a:ext cx="8643091" cy="1645919"/>
+            <a:ext cx="8643091" cy="1948231"/>
           </a:xfrm>
           <a:prstGeom prst="rect">
             <a:avLst/>
@@ -3098,6 +3123,51 @@
               <a:rPr lang="en-US" altLang="ja-JP" dirty="0" smtClean="0"/>
               <a:t>React</a:t>
             </a:r>
+          </a:p>
+          <a:p>
+            <a:r>
+              <a:rPr lang="en-US" altLang="ja-JP" dirty="0" smtClean="0"/>
+              <a:t>2-2</a:t>
+            </a:r>
+            <a:r>
+              <a:rPr lang="ja-JP" altLang="en-US" dirty="0" err="1" smtClean="0"/>
+              <a:t>．</a:t>
+            </a:r>
+            <a:r>
+              <a:rPr lang="en-US" altLang="ja-JP" dirty="0"/>
+              <a:t>React</a:t>
+            </a:r>
+            <a:r>
+              <a:rPr lang="ja-JP" altLang="en-US" dirty="0"/>
+              <a:t>の基礎知識 ～</a:t>
+            </a:r>
+            <a:r>
+              <a:rPr lang="en-US" altLang="ja-JP" dirty="0"/>
+              <a:t>DOM</a:t>
+            </a:r>
+            <a:r>
+              <a:rPr lang="ja-JP" altLang="en-US" dirty="0"/>
+              <a:t>操作編</a:t>
+            </a:r>
+            <a:r>
+              <a:rPr lang="ja-JP" altLang="en-US" dirty="0" smtClean="0"/>
+              <a:t>～</a:t>
+            </a:r>
+            <a:endParaRPr lang="en-US" altLang="ja-JP" dirty="0" smtClean="0"/>
+          </a:p>
+          <a:p>
+            <a:r>
+              <a:rPr lang="en-US" altLang="ja-JP" dirty="0" smtClean="0"/>
+              <a:t>2-3</a:t>
+            </a:r>
+            <a:r>
+              <a:rPr lang="ja-JP" altLang="en-US" dirty="0" err="1" smtClean="0"/>
+              <a:t>．</a:t>
+            </a:r>
+            <a:r>
+              <a:rPr lang="en-US" altLang="ja-JP" dirty="0" smtClean="0"/>
+              <a:t>React</a:t>
+            </a:r>
             <a:r>
               <a:rPr lang="ja-JP" altLang="en-US" dirty="0" smtClean="0"/>
               <a:t>の基礎知識 ～</a:t>
@@ -3108,14 +3178,18 @@
             </a:r>
             <a:r>
               <a:rPr lang="ja-JP" altLang="en-US" dirty="0" smtClean="0"/>
-              <a:t>編～</a:t>
+              <a:t>編</a:t>
+            </a:r>
+            <a:r>
+              <a:rPr lang="ja-JP" altLang="en-US" dirty="0" smtClean="0"/>
+              <a:t>～</a:t>
             </a:r>
             <a:endParaRPr lang="en-US" altLang="ja-JP" dirty="0"/>
           </a:p>
           <a:p>
             <a:r>
               <a:rPr lang="en-US" altLang="ja-JP" dirty="0" smtClean="0"/>
-              <a:t>2-2</a:t>
+              <a:t>2-4</a:t>
             </a:r>
             <a:r>
               <a:rPr lang="ja-JP" altLang="en-US" dirty="0" err="1" smtClean="0"/>
@@ -3134,7 +3208,7 @@
           <a:p>
             <a:r>
               <a:rPr lang="en-US" altLang="ja-JP" dirty="0" smtClean="0"/>
-              <a:t>2-3</a:t>
+              <a:t>2-5</a:t>
             </a:r>
             <a:r>
               <a:rPr lang="ja-JP" altLang="en-US" dirty="0" err="1" smtClean="0"/>
@@ -3146,53 +3220,22 @@
             </a:r>
             <a:r>
               <a:rPr lang="ja-JP" altLang="en-US" dirty="0" smtClean="0"/>
-              <a:t>の基礎知識 ～</a:t>
-            </a:r>
+              <a:t>開発環境構築手順</a:t>
+            </a:r>
+            <a:endParaRPr lang="en-US" altLang="ja-JP" dirty="0"/>
+          </a:p>
+          <a:p>
             <a:r>
               <a:rPr lang="en-US" altLang="ja-JP" dirty="0" smtClean="0"/>
-              <a:t>DOM</a:t>
-            </a:r>
-            <a:r>
-              <a:rPr lang="ja-JP" altLang="en-US" dirty="0" smtClean="0"/>
-              <a:t>操作編～</a:t>
-            </a:r>
-            <a:endParaRPr lang="en-US" altLang="ja-JP" dirty="0"/>
-          </a:p>
-          <a:p>
-            <a:r>
-              <a:rPr lang="en-US" altLang="ja-JP" dirty="0" smtClean="0"/>
-              <a:t>2-4</a:t>
+              <a:t>2-6</a:t>
             </a:r>
             <a:r>
               <a:rPr lang="ja-JP" altLang="en-US" dirty="0" err="1" smtClean="0"/>
               <a:t>．</a:t>
             </a:r>
             <a:r>
-              <a:rPr lang="en-US" altLang="ja-JP" dirty="0" smtClean="0"/>
-              <a:t>React</a:t>
-            </a:r>
-            <a:r>
               <a:rPr lang="ja-JP" altLang="en-US" dirty="0" smtClean="0"/>
-              <a:t>開発環境構築手順</a:t>
-            </a:r>
-            <a:endParaRPr lang="en-US" altLang="ja-JP" dirty="0"/>
-          </a:p>
-          <a:p>
-            <a:r>
-              <a:rPr lang="en-US" altLang="ja-JP" dirty="0" smtClean="0"/>
-              <a:t>2-5</a:t>
-            </a:r>
-            <a:r>
-              <a:rPr lang="ja-JP" altLang="en-US" dirty="0" err="1" smtClean="0"/>
-              <a:t>．</a:t>
-            </a:r>
-            <a:r>
-              <a:rPr lang="ja-JP" altLang="en-US" dirty="0" smtClean="0"/>
-              <a:t>簡単な</a:t>
-            </a:r>
-            <a:r>
-              <a:rPr lang="ja-JP" altLang="en-US" dirty="0" smtClean="0"/>
-              <a:t>ソースサンプル（ここに実装したサンプル機能を記載）</a:t>
+              <a:t>簡単なソースサンプル（ここに実装したサンプル機能を記載）</a:t>
             </a:r>
             <a:endParaRPr lang="en-US" altLang="ja-JP" dirty="0"/>
           </a:p>
@@ -3203,7 +3246,7 @@
           <p:cNvPr id="9" name="正方形/長方形 8">
             <a:extLst>
               <a:ext uri="{FF2B5EF4-FFF2-40B4-BE49-F238E27FC236}">
-                <a16:creationId xmlns:a16="http://schemas.microsoft.com/office/drawing/2014/main" xmlns="" id="{31240F61-34F7-48BE-B0FE-3AED9E36D249}"/>
+                <a16:creationId xmlns:a16="http://schemas.microsoft.com/office/drawing/2014/main" id="{31240F61-34F7-48BE-B0FE-3AED9E36D249}"/>
               </a:ext>
             </a:extLst>
           </p:cNvPr>
@@ -3212,7 +3255,7 @@
         </p:nvSpPr>
         <p:spPr>
           <a:xfrm>
-            <a:off x="564962" y="3840481"/>
+            <a:off x="564962" y="4139054"/>
             <a:ext cx="2685314" cy="1679170"/>
           </a:xfrm>
           <a:prstGeom prst="rect">
@@ -3265,7 +3308,7 @@
           <p:cNvPr id="10" name="正方形/長方形 9">
             <a:extLst>
               <a:ext uri="{FF2B5EF4-FFF2-40B4-BE49-F238E27FC236}">
-                <a16:creationId xmlns:a16="http://schemas.microsoft.com/office/drawing/2014/main" xmlns="" id="{9A424545-6837-4BC6-BF31-628EC9C45FDE}"/>
+                <a16:creationId xmlns:a16="http://schemas.microsoft.com/office/drawing/2014/main" id="{9A424545-6837-4BC6-BF31-628EC9C45FDE}"/>
               </a:ext>
             </a:extLst>
           </p:cNvPr>
@@ -3274,7 +3317,7 @@
         </p:nvSpPr>
         <p:spPr>
           <a:xfrm>
-            <a:off x="3250276" y="3840482"/>
+            <a:off x="3250276" y="4139055"/>
             <a:ext cx="8643090" cy="1679170"/>
           </a:xfrm>
           <a:prstGeom prst="rect">
@@ -3472,7 +3515,7 @@
           <p:cNvPr id="2" name="タイトル 1">
             <a:extLst>
               <a:ext uri="{FF2B5EF4-FFF2-40B4-BE49-F238E27FC236}">
-                <a16:creationId xmlns:a16="http://schemas.microsoft.com/office/drawing/2014/main" xmlns="" id="{6921666E-7AC2-472C-A272-CBF0D8C14E64}"/>
+                <a16:creationId xmlns:a16="http://schemas.microsoft.com/office/drawing/2014/main" id="{6921666E-7AC2-472C-A272-CBF0D8C14E64}"/>
               </a:ext>
             </a:extLst>
           </p:cNvPr>
@@ -3505,7 +3548,7 @@
           <p:cNvPr id="5" name="正方形/長方形 4">
             <a:extLst>
               <a:ext uri="{FF2B5EF4-FFF2-40B4-BE49-F238E27FC236}">
-                <a16:creationId xmlns:a16="http://schemas.microsoft.com/office/drawing/2014/main" xmlns="" id="{D7EF0459-09B1-447D-B9FA-988D7B92FF85}"/>
+                <a16:creationId xmlns:a16="http://schemas.microsoft.com/office/drawing/2014/main" id="{D7EF0459-09B1-447D-B9FA-988D7B92FF85}"/>
               </a:ext>
             </a:extLst>
           </p:cNvPr>
@@ -3567,7 +3610,7 @@
           <p:cNvPr id="6" name="正方形/長方形 5">
             <a:extLst>
               <a:ext uri="{FF2B5EF4-FFF2-40B4-BE49-F238E27FC236}">
-                <a16:creationId xmlns:a16="http://schemas.microsoft.com/office/drawing/2014/main" xmlns="" id="{32AC6FF7-97A5-4AAE-A5CD-059956967459}"/>
+                <a16:creationId xmlns:a16="http://schemas.microsoft.com/office/drawing/2014/main" id="{32AC6FF7-97A5-4AAE-A5CD-059956967459}"/>
               </a:ext>
             </a:extLst>
           </p:cNvPr>
@@ -3666,7 +3709,6 @@
               <a:rPr lang="en-US" altLang="ja-JP" dirty="0" smtClean="0"/>
               <a:t>~</a:t>
             </a:r>
-            <a:endParaRPr lang="en-US" altLang="ja-JP" dirty="0" smtClean="0"/>
           </a:p>
           <a:p>
             <a:r>
@@ -3732,7 +3774,7 @@
           <p:cNvPr id="7" name="正方形/長方形 6">
             <a:extLst>
               <a:ext uri="{FF2B5EF4-FFF2-40B4-BE49-F238E27FC236}">
-                <a16:creationId xmlns:a16="http://schemas.microsoft.com/office/drawing/2014/main" xmlns="" id="{109BD630-338B-44EA-9EE5-8D3909DE0F99}"/>
+                <a16:creationId xmlns:a16="http://schemas.microsoft.com/office/drawing/2014/main" id="{109BD630-338B-44EA-9EE5-8D3909DE0F99}"/>
               </a:ext>
             </a:extLst>
           </p:cNvPr>
@@ -3786,7 +3828,7 @@
           <p:cNvPr id="8" name="正方形/長方形 7">
             <a:extLst>
               <a:ext uri="{FF2B5EF4-FFF2-40B4-BE49-F238E27FC236}">
-                <a16:creationId xmlns:a16="http://schemas.microsoft.com/office/drawing/2014/main" xmlns="" id="{6EA607F8-9FD3-4695-8573-77CFB77C72C0}"/>
+                <a16:creationId xmlns:a16="http://schemas.microsoft.com/office/drawing/2014/main" id="{6EA607F8-9FD3-4695-8573-77CFB77C72C0}"/>
               </a:ext>
             </a:extLst>
           </p:cNvPr>
@@ -3896,7 +3938,7 @@
           <p:cNvPr id="2" name="タイトル 1">
             <a:extLst>
               <a:ext uri="{FF2B5EF4-FFF2-40B4-BE49-F238E27FC236}">
-                <a16:creationId xmlns:a16="http://schemas.microsoft.com/office/drawing/2014/main" xmlns="" id="{CE9C4723-849E-4189-BCAE-2B79E708A85A}"/>
+                <a16:creationId xmlns:a16="http://schemas.microsoft.com/office/drawing/2014/main" id="{CE9C4723-849E-4189-BCAE-2B79E708A85A}"/>
               </a:ext>
             </a:extLst>
           </p:cNvPr>
@@ -3929,7 +3971,7 @@
           <p:cNvPr id="4" name="コンテンツ プレースホルダー 3">
             <a:extLst>
               <a:ext uri="{FF2B5EF4-FFF2-40B4-BE49-F238E27FC236}">
-                <a16:creationId xmlns:a16="http://schemas.microsoft.com/office/drawing/2014/main" xmlns="" id="{5D7B870A-EE38-4390-92D0-2B9EE583F7F4}"/>
+                <a16:creationId xmlns:a16="http://schemas.microsoft.com/office/drawing/2014/main" id="{5D7B870A-EE38-4390-92D0-2B9EE583F7F4}"/>
               </a:ext>
             </a:extLst>
           </p:cNvPr>
@@ -4093,7 +4135,7 @@
           <p:cNvPr id="2" name="タイトル 1">
             <a:extLst>
               <a:ext uri="{FF2B5EF4-FFF2-40B4-BE49-F238E27FC236}">
-                <a16:creationId xmlns:a16="http://schemas.microsoft.com/office/drawing/2014/main" xmlns="" id="{CE9C4723-849E-4189-BCAE-2B79E708A85A}"/>
+                <a16:creationId xmlns:a16="http://schemas.microsoft.com/office/drawing/2014/main" id="{CE9C4723-849E-4189-BCAE-2B79E708A85A}"/>
               </a:ext>
             </a:extLst>
           </p:cNvPr>
@@ -4126,7 +4168,7 @@
           <p:cNvPr id="4" name="コンテンツ プレースホルダー 3">
             <a:extLst>
               <a:ext uri="{FF2B5EF4-FFF2-40B4-BE49-F238E27FC236}">
-                <a16:creationId xmlns:a16="http://schemas.microsoft.com/office/drawing/2014/main" xmlns="" id="{5D7B870A-EE38-4390-92D0-2B9EE583F7F4}"/>
+                <a16:creationId xmlns:a16="http://schemas.microsoft.com/office/drawing/2014/main" id="{5D7B870A-EE38-4390-92D0-2B9EE583F7F4}"/>
               </a:ext>
             </a:extLst>
           </p:cNvPr>
@@ -4407,7 +4449,7 @@
   <a:extraClrSchemeLst/>
   <a:extLst>
     <a:ext uri="{05A4C25C-085E-4340-85A3-A5531E510DB2}">
-      <thm15:themeFamily xmlns:thm15="http://schemas.microsoft.com/office/thememl/2012/main" xmlns="" name="Office Theme" id="{62F939B6-93AF-4DB8-9C6B-D6C7DFDC589F}" vid="{4A3C46E8-61CC-4603-A589-7422A47A8E4A}"/>
+      <thm15:themeFamily xmlns:thm15="http://schemas.microsoft.com/office/thememl/2012/main" name="Office Theme" id="{62F939B6-93AF-4DB8-9C6B-D6C7DFDC589F}" vid="{4A3C46E8-61CC-4603-A589-7422A47A8E4A}"/>
     </a:ext>
   </a:extLst>
 </a:theme>
@@ -4668,7 +4710,7 @@
   <a:extraClrSchemeLst/>
   <a:extLst>
     <a:ext uri="{05A4C25C-085E-4340-85A3-A5531E510DB2}">
-      <thm15:themeFamily xmlns:thm15="http://schemas.microsoft.com/office/thememl/2012/main" xmlns="" name="Office Theme" id="{62F939B6-93AF-4DB8-9C6B-D6C7DFDC589F}" vid="{4A3C46E8-61CC-4603-A589-7422A47A8E4A}"/>
+      <thm15:themeFamily xmlns:thm15="http://schemas.microsoft.com/office/thememl/2012/main" name="Office Theme" id="{62F939B6-93AF-4DB8-9C6B-D6C7DFDC589F}" vid="{4A3C46E8-61CC-4603-A589-7422A47A8E4A}"/>
     </a:ext>
   </a:extLst>
 </a:theme>

--- a/doc/02_SlideShare/表紙.pptx
+++ b/doc/02_SlideShare/表紙.pptx
@@ -226,7 +226,7 @@
           <a:p>
             <a:fld id="{CF62E18D-AE12-454F-A1D6-19B685DC3579}" type="datetimeFigureOut">
               <a:rPr kumimoji="1" lang="ja-JP" altLang="en-US" smtClean="0"/>
-              <a:t>2019/3/3</a:t>
+              <a:t>2019/3/5</a:t>
             </a:fld>
             <a:endParaRPr kumimoji="1" lang="ja-JP" altLang="en-US"/>
           </a:p>
@@ -699,7 +699,7 @@
           <a:p>
             <a:fld id="{2FA7D4A1-D6E2-4B97-8DF5-43A2A6E9364B}" type="datetimeFigureOut">
               <a:rPr kumimoji="1" lang="ja-JP" altLang="en-US" smtClean="0"/>
-              <a:t>2019/3/3</a:t>
+              <a:t>2019/3/5</a:t>
             </a:fld>
             <a:endParaRPr kumimoji="1" lang="ja-JP" altLang="en-US"/>
           </a:p>
@@ -1167,7 +1167,7 @@
           <a:p>
             <a:fld id="{2FA7D4A1-D6E2-4B97-8DF5-43A2A6E9364B}" type="datetimeFigureOut">
               <a:rPr kumimoji="1" lang="ja-JP" altLang="en-US" smtClean="0"/>
-              <a:t>2019/3/3</a:t>
+              <a:t>2019/3/5</a:t>
             </a:fld>
             <a:endParaRPr kumimoji="1" lang="ja-JP" altLang="en-US"/>
           </a:p>
@@ -1596,7 +1596,7 @@
           <a:p>
             <a:fld id="{2FA7D4A1-D6E2-4B97-8DF5-43A2A6E9364B}" type="datetimeFigureOut">
               <a:rPr kumimoji="1" lang="ja-JP" altLang="en-US" smtClean="0"/>
-              <a:t>2019/3/3</a:t>
+              <a:t>2019/3/5</a:t>
             </a:fld>
             <a:endParaRPr kumimoji="1" lang="ja-JP" altLang="en-US"/>
           </a:p>
@@ -1713,7 +1713,7 @@
           <a:p>
             <a:fld id="{2FA7D4A1-D6E2-4B97-8DF5-43A2A6E9364B}" type="datetimeFigureOut">
               <a:rPr kumimoji="1" lang="ja-JP" altLang="en-US" smtClean="0"/>
-              <a:t>2019/3/3</a:t>
+              <a:t>2019/3/5</a:t>
             </a:fld>
             <a:endParaRPr kumimoji="1" lang="ja-JP" altLang="en-US"/>
           </a:p>
@@ -1936,7 +1936,7 @@
           <a:p>
             <a:fld id="{2FA7D4A1-D6E2-4B97-8DF5-43A2A6E9364B}" type="datetimeFigureOut">
               <a:rPr kumimoji="1" lang="ja-JP" altLang="en-US" smtClean="0"/>
-              <a:t>2019/3/3</a:t>
+              <a:t>2019/3/5</a:t>
             </a:fld>
             <a:endParaRPr kumimoji="1" lang="ja-JP" altLang="en-US"/>
           </a:p>
@@ -2305,7 +2305,7 @@
           <a:p>
             <a:fld id="{2FA7D4A1-D6E2-4B97-8DF5-43A2A6E9364B}" type="datetimeFigureOut">
               <a:rPr kumimoji="1" lang="ja-JP" altLang="en-US" smtClean="0"/>
-              <a:t>2019/3/3</a:t>
+              <a:t>2019/3/5</a:t>
             </a:fld>
             <a:endParaRPr kumimoji="1" lang="ja-JP" altLang="en-US"/>
           </a:p>
@@ -3139,15 +3139,19 @@
             </a:r>
             <a:r>
               <a:rPr lang="ja-JP" altLang="en-US" dirty="0"/>
-              <a:t>の基礎知識 ～</a:t>
-            </a:r>
-            <a:r>
-              <a:rPr lang="en-US" altLang="ja-JP" dirty="0"/>
+              <a:t>の基礎知識 </a:t>
+            </a:r>
+            <a:r>
+              <a:rPr lang="ja-JP" altLang="en-US" dirty="0" smtClean="0"/>
+              <a:t>～仮想</a:t>
+            </a:r>
+            <a:r>
+              <a:rPr lang="en-US" altLang="ja-JP" dirty="0" smtClean="0"/>
               <a:t>DOM</a:t>
             </a:r>
             <a:r>
-              <a:rPr lang="ja-JP" altLang="en-US" dirty="0"/>
-              <a:t>操作編</a:t>
+              <a:rPr lang="ja-JP" altLang="en-US" dirty="0" smtClean="0"/>
+              <a:t>編</a:t>
             </a:r>
             <a:r>
               <a:rPr lang="ja-JP" altLang="en-US" dirty="0" smtClean="0"/>
@@ -3178,11 +3182,7 @@
             </a:r>
             <a:r>
               <a:rPr lang="ja-JP" altLang="en-US" dirty="0" smtClean="0"/>
-              <a:t>編</a:t>
-            </a:r>
-            <a:r>
-              <a:rPr lang="ja-JP" altLang="en-US" dirty="0" smtClean="0"/>
-              <a:t>～</a:t>
+              <a:t>編～</a:t>
             </a:r>
             <a:endParaRPr lang="en-US" altLang="ja-JP" dirty="0"/>
           </a:p>
